--- a/PkuJava13组爬虫最终汇报.pptx
+++ b/PkuJava13组爬虫最终汇报.pptx
@@ -7576,130 +7576,6 @@
       </p:grpSp>
       <p:sp>
         <p:nvSpPr>
-          <p:cNvPr id="18" name="矩形 17"/>
-          <p:cNvSpPr/>
-          <p:nvPr/>
-        </p:nvSpPr>
-        <p:spPr>
-          <a:xfrm>
-            <a:off x="3996055" y="1995805"/>
-            <a:ext cx="4739005" cy="2377440"/>
-          </a:xfrm>
-          <a:prstGeom prst="rect">
-            <a:avLst/>
-          </a:prstGeom>
-        </p:spPr>
-        <p:txBody>
-          <a:bodyPr wrap="square">
-            <a:spAutoFit/>
-          </a:bodyPr>
-          <a:lstStyle/>
-          <a:p>
-            <a:pPr marL="285750" indent="-285750">
-              <a:lnSpc>
-                <a:spcPct val="250000"/>
-              </a:lnSpc>
-              <a:buFont typeface="Wingdings" pitchFamily="2" charset="2"/>
-              <a:buChar char="n"/>
-            </a:pPr>
-            <a:r>
-              <a:rPr lang="zh-CN" altLang="en-US" sz="2000" dirty="0">
-                <a:solidFill>
-                  <a:schemeClr val="bg1">
-                    <a:lumMod val="75000"/>
-                  </a:schemeClr>
-                </a:solidFill>
-                <a:latin typeface="黑体" charset="0"/>
-                <a:ea typeface="黑体" charset="0"/>
-              </a:rPr>
-              <a:t>天气整体分析</a:t>
-            </a:r>
-            <a:endParaRPr lang="zh-CN" altLang="en-US" sz="2000" dirty="0">
-              <a:solidFill>
-                <a:schemeClr val="bg1">
-                  <a:lumMod val="75000"/>
-                </a:schemeClr>
-              </a:solidFill>
-              <a:latin typeface="黑体" charset="0"/>
-              <a:ea typeface="黑体" charset="0"/>
-            </a:endParaRPr>
-          </a:p>
-          <a:p>
-            <a:pPr marL="285750" indent="-285750">
-              <a:lnSpc>
-                <a:spcPct val="250000"/>
-              </a:lnSpc>
-              <a:buFont typeface="Wingdings" pitchFamily="2" charset="2"/>
-              <a:buChar char="n"/>
-            </a:pPr>
-            <a:r>
-              <a:rPr lang="en-US" altLang="zh-CN" sz="2000" dirty="0">
-                <a:solidFill>
-                  <a:schemeClr val="bg1">
-                    <a:lumMod val="75000"/>
-                  </a:schemeClr>
-                </a:solidFill>
-                <a:latin typeface="黑体" charset="0"/>
-                <a:ea typeface="黑体" charset="0"/>
-              </a:rPr>
-              <a:t>Java</a:t>
-            </a:r>
-            <a:r>
-              <a:rPr lang="zh-CN" altLang="en-US" sz="2000" dirty="0">
-                <a:solidFill>
-                  <a:schemeClr val="bg1">
-                    <a:lumMod val="75000"/>
-                  </a:schemeClr>
-                </a:solidFill>
-                <a:latin typeface="黑体" charset="0"/>
-                <a:ea typeface="黑体" charset="0"/>
-              </a:rPr>
-              <a:t>程序员薪资水平情况</a:t>
-            </a:r>
-            <a:endParaRPr lang="zh-CN" altLang="en-US" sz="2000" dirty="0">
-              <a:solidFill>
-                <a:schemeClr val="bg1">
-                  <a:lumMod val="75000"/>
-                </a:schemeClr>
-              </a:solidFill>
-              <a:latin typeface="黑体" charset="0"/>
-              <a:ea typeface="黑体" charset="0"/>
-            </a:endParaRPr>
-          </a:p>
-          <a:p>
-            <a:pPr marL="285750" indent="-285750">
-              <a:lnSpc>
-                <a:spcPct val="250000"/>
-              </a:lnSpc>
-              <a:buFont typeface="Wingdings" pitchFamily="2" charset="2"/>
-              <a:buChar char="n"/>
-            </a:pPr>
-            <a:r>
-              <a:rPr lang="zh-CN" sz="2000" dirty="0">
-                <a:solidFill>
-                  <a:schemeClr val="bg1">
-                    <a:lumMod val="75000"/>
-                  </a:schemeClr>
-                </a:solidFill>
-                <a:latin typeface="黑体" charset="0"/>
-                <a:ea typeface="黑体" charset="0"/>
-              </a:rPr>
-              <a:t>给出择业城市的建议，以及后期扩展</a:t>
-            </a:r>
-            <a:endParaRPr lang="zh-CN" sz="2000" dirty="0">
-              <a:solidFill>
-                <a:schemeClr val="bg1">
-                  <a:lumMod val="75000"/>
-                </a:schemeClr>
-              </a:solidFill>
-              <a:latin typeface="黑体" charset="0"/>
-              <a:ea typeface="黑体" charset="0"/>
-            </a:endParaRPr>
-          </a:p>
-        </p:txBody>
-      </p:sp>
-      <p:sp>
-        <p:nvSpPr>
           <p:cNvPr id="20" name="矩形 19"/>
           <p:cNvSpPr/>
           <p:nvPr/>
@@ -7767,6 +7643,31 @@
           <a:xfrm>
             <a:off x="323215" y="2039938"/>
             <a:ext cx="3425190" cy="2372360"/>
+          </a:xfrm>
+          <a:prstGeom prst="rect">
+            <a:avLst/>
+          </a:prstGeom>
+        </p:spPr>
+      </p:pic>
+      <p:pic>
+        <p:nvPicPr>
+          <p:cNvPr id="2" name="图片 1"/>
+          <p:cNvPicPr>
+            <a:picLocks noChangeAspect="1"/>
+          </p:cNvPicPr>
+          <p:nvPr/>
+        </p:nvPicPr>
+        <p:blipFill>
+          <a:blip r:embed="rId2"/>
+          <a:srcRect/>
+          <a:stretch>
+            <a:fillRect/>
+          </a:stretch>
+        </p:blipFill>
+        <p:spPr>
+          <a:xfrm>
+            <a:off x="3923665" y="1779905"/>
+            <a:ext cx="4745990" cy="2915285"/>
           </a:xfrm>
           <a:prstGeom prst="rect">
             <a:avLst/>
@@ -10059,8 +9960,8 @@
         </p:blipFill>
         <p:spPr>
           <a:xfrm>
-            <a:off x="4860290" y="1275715"/>
-            <a:ext cx="4018280" cy="3771265"/>
+            <a:off x="4796790" y="1216660"/>
+            <a:ext cx="4081780" cy="3830955"/>
           </a:xfrm>
           <a:prstGeom prst="rect">
             <a:avLst/>
